--- a/Slides/Day_5_1.pptx
+++ b/Slides/Day_5_1.pptx
@@ -21,17 +21,6 @@
     <p:sldId id="281" r:id="rId15"/>
     <p:sldId id="282" r:id="rId16"/>
     <p:sldId id="283" r:id="rId17"/>
-    <p:sldId id="284" r:id="rId18"/>
-    <p:sldId id="285" r:id="rId19"/>
-    <p:sldId id="286" r:id="rId20"/>
-    <p:sldId id="287" r:id="rId21"/>
-    <p:sldId id="288" r:id="rId22"/>
-    <p:sldId id="289" r:id="rId23"/>
-    <p:sldId id="290" r:id="rId24"/>
-    <p:sldId id="291" r:id="rId25"/>
-    <p:sldId id="292" r:id="rId26"/>
-    <p:sldId id="293" r:id="rId27"/>
-    <p:sldId id="294" r:id="rId28"/>
   </p:sldIdLst>
   <p:sldSz cx="12192000" cy="6858000"/>
   <p:notesSz cx="6858000" cy="9144000"/>
@@ -7192,474 +7181,6 @@
 </p:sld>
 </file>
 
-<file path=ppt/slides/slide17.xml><?xml version="1.0" encoding="utf-8"?>
-<p:sld xmlns:a="http://schemas.openxmlformats.org/drawingml/2006/main" xmlns:r="http://schemas.openxmlformats.org/officeDocument/2006/relationships" xmlns:p="http://schemas.openxmlformats.org/presentationml/2006/main">
-  <p:cSld>
-    <p:spTree>
-      <p:nvGrpSpPr>
-        <p:cNvPr id="1" name=""/>
-        <p:cNvGrpSpPr/>
-        <p:nvPr/>
-      </p:nvGrpSpPr>
-      <p:grpSpPr>
-        <a:xfrm>
-          <a:off x="0" y="0"/>
-          <a:ext cx="0" cy="0"/>
-          <a:chOff x="0" y="0"/>
-          <a:chExt cx="0" cy="0"/>
-        </a:xfrm>
-      </p:grpSpPr>
-      <p:sp>
-        <p:nvSpPr>
-          <p:cNvPr id="2" name="Title 1">
-            <a:extLst>
-              <a:ext uri="{FF2B5EF4-FFF2-40B4-BE49-F238E27FC236}">
-                <a16:creationId xmlns:a16="http://schemas.microsoft.com/office/drawing/2014/main" id="{14D7F595-0D8F-4FE6-A3EC-4557A1A457EB}"/>
-              </a:ext>
-            </a:extLst>
-          </p:cNvPr>
-          <p:cNvSpPr>
-            <a:spLocks noGrp="1"/>
-          </p:cNvSpPr>
-          <p:nvPr>
-            <p:ph type="title"/>
-          </p:nvPr>
-        </p:nvSpPr>
-        <p:spPr/>
-        <p:txBody>
-          <a:bodyPr/>
-          <a:lstStyle/>
-          <a:p>
-            <a:r>
-              <a:rPr lang="en-US">
-                <a:latin typeface="Arial" panose="020B0604020202020204" pitchFamily="34" charset="0"/>
-                <a:cs typeface="Arial" panose="020B0604020202020204" pitchFamily="34" charset="0"/>
-              </a:rPr>
-              <a:t>8. Access modifiers trong Java</a:t>
-            </a:r>
-          </a:p>
-        </p:txBody>
-      </p:sp>
-      <p:sp>
-        <p:nvSpPr>
-          <p:cNvPr id="3" name="Content Placeholder 2">
-            <a:extLst>
-              <a:ext uri="{FF2B5EF4-FFF2-40B4-BE49-F238E27FC236}">
-                <a16:creationId xmlns:a16="http://schemas.microsoft.com/office/drawing/2014/main" id="{6337998B-3737-4D43-973D-24B118D723A2}"/>
-              </a:ext>
-            </a:extLst>
-          </p:cNvPr>
-          <p:cNvSpPr>
-            <a:spLocks noGrp="1"/>
-          </p:cNvSpPr>
-          <p:nvPr>
-            <p:ph idx="1"/>
-          </p:nvPr>
-        </p:nvSpPr>
-        <p:spPr>
-          <a:xfrm>
-            <a:off x="1103312" y="1853248"/>
-            <a:ext cx="9612036" cy="4316733"/>
-          </a:xfrm>
-        </p:spPr>
-        <p:txBody>
-          <a:bodyPr/>
-          <a:lstStyle/>
-          <a:p>
-            <a:r>
-              <a:rPr lang="en-US">
-                <a:latin typeface="Arial" panose="020B0604020202020204" pitchFamily="34" charset="0"/>
-                <a:cs typeface="Arial" panose="020B0604020202020204" pitchFamily="34" charset="0"/>
-              </a:rPr>
-              <a:t>Là các từ khóa dùng để chỉ định phạm vi truy cập của các class members của các đối tượng, các class.</a:t>
-            </a:r>
-          </a:p>
-          <a:p>
-            <a:r>
-              <a:rPr lang="en-US">
-                <a:latin typeface="Arial" panose="020B0604020202020204" pitchFamily="34" charset="0"/>
-                <a:cs typeface="Arial" panose="020B0604020202020204" pitchFamily="34" charset="0"/>
-              </a:rPr>
-              <a:t>Các access modifiers:</a:t>
-            </a:r>
-          </a:p>
-          <a:p>
-            <a:pPr lvl="1"/>
-            <a:r>
-              <a:rPr lang="en-US">
-                <a:latin typeface="Arial" panose="020B0604020202020204" pitchFamily="34" charset="0"/>
-                <a:cs typeface="Arial" panose="020B0604020202020204" pitchFamily="34" charset="0"/>
-              </a:rPr>
-              <a:t>private: class members này là riêng tư, chỉ có thể truy cập trong class, bên ngoài không thể truy cập được. (Được sử dụng để đáp ứng tính đóng gói)</a:t>
-            </a:r>
-          </a:p>
-          <a:p>
-            <a:pPr lvl="1"/>
-            <a:r>
-              <a:rPr lang="en-US">
-                <a:latin typeface="Arial" panose="020B0604020202020204" pitchFamily="34" charset="0"/>
-                <a:cs typeface="Arial" panose="020B0604020202020204" pitchFamily="34" charset="0"/>
-              </a:rPr>
-              <a:t>protected: class members này chỉ có thể được truy cập trong class hoặc các class con kế thừa class này. Bên ngoài không thể truy cập.</a:t>
-            </a:r>
-          </a:p>
-          <a:p>
-            <a:pPr lvl="1"/>
-            <a:r>
-              <a:rPr lang="en-US">
-                <a:latin typeface="Arial" panose="020B0604020202020204" pitchFamily="34" charset="0"/>
-                <a:cs typeface="Arial" panose="020B0604020202020204" pitchFamily="34" charset="0"/>
-              </a:rPr>
-              <a:t>public: class members này có thể được truy cập bất cứ đâu.</a:t>
-            </a:r>
-          </a:p>
-          <a:p>
-            <a:pPr lvl="1"/>
-            <a:r>
-              <a:rPr lang="en-US">
-                <a:latin typeface="Arial" panose="020B0604020202020204" pitchFamily="34" charset="0"/>
-                <a:cs typeface="Arial" panose="020B0604020202020204" pitchFamily="34" charset="0"/>
-              </a:rPr>
-              <a:t>default (nếu không ghi gì cả): class members này chỉ được truy cập trong package. Tức là cùng package thì truy cập được.</a:t>
-            </a:r>
-          </a:p>
-          <a:p>
-            <a:r>
-              <a:rPr lang="en-US">
-                <a:latin typeface="Arial" panose="020B0604020202020204" pitchFamily="34" charset="0"/>
-                <a:cs typeface="Arial" panose="020B0604020202020204" pitchFamily="34" charset="0"/>
-              </a:rPr>
-              <a:t>Access modifiers thường được đặt trước đoạn khai báo thuộc tính hay Phương thức.</a:t>
-            </a:r>
-          </a:p>
-        </p:txBody>
-      </p:sp>
-    </p:spTree>
-    <p:extLst>
-      <p:ext uri="{BB962C8B-B14F-4D97-AF65-F5344CB8AC3E}">
-        <p14:creationId xmlns:p14="http://schemas.microsoft.com/office/powerpoint/2010/main" val="104876178"/>
-      </p:ext>
-    </p:extLst>
-  </p:cSld>
-  <p:clrMapOvr>
-    <a:masterClrMapping/>
-  </p:clrMapOvr>
-</p:sld>
-</file>
-
-<file path=ppt/slides/slide18.xml><?xml version="1.0" encoding="utf-8"?>
-<p:sld xmlns:a="http://schemas.openxmlformats.org/drawingml/2006/main" xmlns:r="http://schemas.openxmlformats.org/officeDocument/2006/relationships" xmlns:p="http://schemas.openxmlformats.org/presentationml/2006/main">
-  <p:cSld>
-    <p:spTree>
-      <p:nvGrpSpPr>
-        <p:cNvPr id="1" name=""/>
-        <p:cNvGrpSpPr/>
-        <p:nvPr/>
-      </p:nvGrpSpPr>
-      <p:grpSpPr>
-        <a:xfrm>
-          <a:off x="0" y="0"/>
-          <a:ext cx="0" cy="0"/>
-          <a:chOff x="0" y="0"/>
-          <a:chExt cx="0" cy="0"/>
-        </a:xfrm>
-      </p:grpSpPr>
-      <p:sp>
-        <p:nvSpPr>
-          <p:cNvPr id="2" name="Title 1">
-            <a:extLst>
-              <a:ext uri="{FF2B5EF4-FFF2-40B4-BE49-F238E27FC236}">
-                <a16:creationId xmlns:a16="http://schemas.microsoft.com/office/drawing/2014/main" id="{14D7F595-0D8F-4FE6-A3EC-4557A1A457EB}"/>
-              </a:ext>
-            </a:extLst>
-          </p:cNvPr>
-          <p:cNvSpPr>
-            <a:spLocks noGrp="1"/>
-          </p:cNvSpPr>
-          <p:nvPr>
-            <p:ph type="title"/>
-          </p:nvPr>
-        </p:nvSpPr>
-        <p:spPr/>
-        <p:txBody>
-          <a:bodyPr/>
-          <a:lstStyle/>
-          <a:p>
-            <a:r>
-              <a:rPr lang="en-US">
-                <a:latin typeface="Arial" panose="020B0604020202020204" pitchFamily="34" charset="0"/>
-                <a:cs typeface="Arial" panose="020B0604020202020204" pitchFamily="34" charset="0"/>
-              </a:rPr>
-              <a:t>8. Access modifiers trong Java</a:t>
-            </a:r>
-          </a:p>
-        </p:txBody>
-      </p:sp>
-      <p:sp>
-        <p:nvSpPr>
-          <p:cNvPr id="3" name="Content Placeholder 2">
-            <a:extLst>
-              <a:ext uri="{FF2B5EF4-FFF2-40B4-BE49-F238E27FC236}">
-                <a16:creationId xmlns:a16="http://schemas.microsoft.com/office/drawing/2014/main" id="{6337998B-3737-4D43-973D-24B118D723A2}"/>
-              </a:ext>
-            </a:extLst>
-          </p:cNvPr>
-          <p:cNvSpPr>
-            <a:spLocks noGrp="1"/>
-          </p:cNvSpPr>
-          <p:nvPr>
-            <p:ph idx="1"/>
-          </p:nvPr>
-        </p:nvSpPr>
-        <p:spPr>
-          <a:xfrm>
-            <a:off x="1103312" y="1853248"/>
-            <a:ext cx="9612036" cy="4316733"/>
-          </a:xfrm>
-        </p:spPr>
-        <p:txBody>
-          <a:bodyPr/>
-          <a:lstStyle/>
-          <a:p>
-            <a:r>
-              <a:rPr lang="en-US">
-                <a:latin typeface="Arial" panose="020B0604020202020204" pitchFamily="34" charset="0"/>
-                <a:cs typeface="Arial" panose="020B0604020202020204" pitchFamily="34" charset="0"/>
-              </a:rPr>
-              <a:t>Sử dụng access modifiers</a:t>
-            </a:r>
-          </a:p>
-        </p:txBody>
-      </p:sp>
-      <p:pic>
-        <p:nvPicPr>
-          <p:cNvPr id="7" name="Picture 6">
-            <a:extLst>
-              <a:ext uri="{FF2B5EF4-FFF2-40B4-BE49-F238E27FC236}">
-                <a16:creationId xmlns:a16="http://schemas.microsoft.com/office/drawing/2014/main" id="{1EE27994-9984-46F4-A8BB-FE603633CE8E}"/>
-              </a:ext>
-            </a:extLst>
-          </p:cNvPr>
-          <p:cNvPicPr>
-            <a:picLocks noChangeAspect="1"/>
-          </p:cNvPicPr>
-          <p:nvPr/>
-        </p:nvPicPr>
-        <p:blipFill>
-          <a:blip r:embed="rId2"/>
-          <a:stretch>
-            <a:fillRect/>
-          </a:stretch>
-        </p:blipFill>
-        <p:spPr>
-          <a:xfrm>
-            <a:off x="2166664" y="2786782"/>
-            <a:ext cx="7858672" cy="3232279"/>
-          </a:xfrm>
-          <a:prstGeom prst="rect">
-            <a:avLst/>
-          </a:prstGeom>
-        </p:spPr>
-      </p:pic>
-    </p:spTree>
-    <p:extLst>
-      <p:ext uri="{BB962C8B-B14F-4D97-AF65-F5344CB8AC3E}">
-        <p14:creationId xmlns:p14="http://schemas.microsoft.com/office/powerpoint/2010/main" val="425412829"/>
-      </p:ext>
-    </p:extLst>
-  </p:cSld>
-  <p:clrMapOvr>
-    <a:masterClrMapping/>
-  </p:clrMapOvr>
-</p:sld>
-</file>
-
-<file path=ppt/slides/slide19.xml><?xml version="1.0" encoding="utf-8"?>
-<p:sld xmlns:a="http://schemas.openxmlformats.org/drawingml/2006/main" xmlns:r="http://schemas.openxmlformats.org/officeDocument/2006/relationships" xmlns:p="http://schemas.openxmlformats.org/presentationml/2006/main">
-  <p:cSld>
-    <p:spTree>
-      <p:nvGrpSpPr>
-        <p:cNvPr id="1" name=""/>
-        <p:cNvGrpSpPr/>
-        <p:nvPr/>
-      </p:nvGrpSpPr>
-      <p:grpSpPr>
-        <a:xfrm>
-          <a:off x="0" y="0"/>
-          <a:ext cx="0" cy="0"/>
-          <a:chOff x="0" y="0"/>
-          <a:chExt cx="0" cy="0"/>
-        </a:xfrm>
-      </p:grpSpPr>
-      <p:sp>
-        <p:nvSpPr>
-          <p:cNvPr id="2" name="Title 1">
-            <a:extLst>
-              <a:ext uri="{FF2B5EF4-FFF2-40B4-BE49-F238E27FC236}">
-                <a16:creationId xmlns:a16="http://schemas.microsoft.com/office/drawing/2014/main" id="{14D7F595-0D8F-4FE6-A3EC-4557A1A457EB}"/>
-              </a:ext>
-            </a:extLst>
-          </p:cNvPr>
-          <p:cNvSpPr>
-            <a:spLocks noGrp="1"/>
-          </p:cNvSpPr>
-          <p:nvPr>
-            <p:ph type="title"/>
-          </p:nvPr>
-        </p:nvSpPr>
-        <p:spPr/>
-        <p:txBody>
-          <a:bodyPr/>
-          <a:lstStyle/>
-          <a:p>
-            <a:r>
-              <a:rPr lang="en-US">
-                <a:latin typeface="Arial" panose="020B0604020202020204" pitchFamily="34" charset="0"/>
-                <a:cs typeface="Arial" panose="020B0604020202020204" pitchFamily="34" charset="0"/>
-              </a:rPr>
-              <a:t>9. Non-access modifiers trong Java</a:t>
-            </a:r>
-          </a:p>
-        </p:txBody>
-      </p:sp>
-      <p:sp>
-        <p:nvSpPr>
-          <p:cNvPr id="3" name="Content Placeholder 2">
-            <a:extLst>
-              <a:ext uri="{FF2B5EF4-FFF2-40B4-BE49-F238E27FC236}">
-                <a16:creationId xmlns:a16="http://schemas.microsoft.com/office/drawing/2014/main" id="{6337998B-3737-4D43-973D-24B118D723A2}"/>
-              </a:ext>
-            </a:extLst>
-          </p:cNvPr>
-          <p:cNvSpPr>
-            <a:spLocks noGrp="1"/>
-          </p:cNvSpPr>
-          <p:nvPr>
-            <p:ph idx="1"/>
-          </p:nvPr>
-        </p:nvSpPr>
-        <p:spPr>
-          <a:xfrm>
-            <a:off x="1103312" y="1580225"/>
-            <a:ext cx="9612036" cy="4971495"/>
-          </a:xfrm>
-        </p:spPr>
-        <p:txBody>
-          <a:bodyPr/>
-          <a:lstStyle/>
-          <a:p>
-            <a:r>
-              <a:rPr lang="en-US">
-                <a:latin typeface="Arial" panose="020B0604020202020204" pitchFamily="34" charset="0"/>
-                <a:cs typeface="Arial" panose="020B0604020202020204" pitchFamily="34" charset="0"/>
-              </a:rPr>
-              <a:t>Là các từ khóa có ý nghĩa đặc biệt hơn, tác động đến các class members hoặc class trong Java.</a:t>
-            </a:r>
-          </a:p>
-          <a:p>
-            <a:r>
-              <a:rPr lang="en-US">
-                <a:latin typeface="Arial" panose="020B0604020202020204" pitchFamily="34" charset="0"/>
-                <a:cs typeface="Arial" panose="020B0604020202020204" pitchFamily="34" charset="0"/>
-              </a:rPr>
-              <a:t>Các non-access modifiers:</a:t>
-            </a:r>
-          </a:p>
-          <a:p>
-            <a:pPr lvl="1"/>
-            <a:r>
-              <a:rPr lang="en-US">
-                <a:latin typeface="Arial" panose="020B0604020202020204" pitchFamily="34" charset="0"/>
-                <a:cs typeface="Arial" panose="020B0604020202020204" pitchFamily="34" charset="0"/>
-              </a:rPr>
-              <a:t>final:</a:t>
-            </a:r>
-          </a:p>
-          <a:p>
-            <a:pPr lvl="2"/>
-            <a:r>
-              <a:rPr lang="en-US">
-                <a:latin typeface="Arial" panose="020B0604020202020204" pitchFamily="34" charset="0"/>
-                <a:cs typeface="Arial" panose="020B0604020202020204" pitchFamily="34" charset="0"/>
-              </a:rPr>
-              <a:t>Trường hợp class: Chỉ định class này không thể được kế thừa bởi class khác</a:t>
-            </a:r>
-          </a:p>
-          <a:p>
-            <a:pPr lvl="2"/>
-            <a:r>
-              <a:rPr lang="en-US">
-                <a:latin typeface="Arial" panose="020B0604020202020204" pitchFamily="34" charset="0"/>
-                <a:cs typeface="Arial" panose="020B0604020202020204" pitchFamily="34" charset="0"/>
-              </a:rPr>
-              <a:t>Trường hợp thuộc tính: Chỉ định thuộc tính này không thể thay đổi giá trị sau khi gán (tựa tựa như hằng số nhưng ở dạng thuộc tính)</a:t>
-            </a:r>
-          </a:p>
-          <a:p>
-            <a:pPr lvl="2"/>
-            <a:r>
-              <a:rPr lang="en-US">
-                <a:latin typeface="Arial" panose="020B0604020202020204" pitchFamily="34" charset="0"/>
-                <a:cs typeface="Arial" panose="020B0604020202020204" pitchFamily="34" charset="0"/>
-              </a:rPr>
-              <a:t>Trường hợp phương thức: Chỉ định các class con của class này không thể ghi đè phương thức này.</a:t>
-            </a:r>
-          </a:p>
-          <a:p>
-            <a:pPr lvl="1"/>
-            <a:r>
-              <a:rPr lang="en-US">
-                <a:latin typeface="Arial" panose="020B0604020202020204" pitchFamily="34" charset="0"/>
-                <a:cs typeface="Arial" panose="020B0604020202020204" pitchFamily="34" charset="0"/>
-              </a:rPr>
-              <a:t>abstract:</a:t>
-            </a:r>
-          </a:p>
-          <a:p>
-            <a:pPr lvl="2"/>
-            <a:r>
-              <a:rPr lang="en-US">
-                <a:latin typeface="Arial" panose="020B0604020202020204" pitchFamily="34" charset="0"/>
-                <a:cs typeface="Arial" panose="020B0604020202020204" pitchFamily="34" charset="0"/>
-              </a:rPr>
-              <a:t>Trường hợp class: Chỉ định class này là một abstract clas.</a:t>
-            </a:r>
-          </a:p>
-          <a:p>
-            <a:pPr lvl="2"/>
-            <a:r>
-              <a:rPr lang="en-US">
-                <a:latin typeface="Arial" panose="020B0604020202020204" pitchFamily="34" charset="0"/>
-                <a:cs typeface="Arial" panose="020B0604020202020204" pitchFamily="34" charset="0"/>
-              </a:rPr>
-              <a:t>Trường hợp phương thức: Chỉ định phương thức này là một phương thức abstract.</a:t>
-            </a:r>
-          </a:p>
-          <a:p>
-            <a:pPr lvl="1"/>
-            <a:r>
-              <a:rPr lang="en-US">
-                <a:latin typeface="Arial" panose="020B0604020202020204" pitchFamily="34" charset="0"/>
-                <a:cs typeface="Arial" panose="020B0604020202020204" pitchFamily="34" charset="0"/>
-              </a:rPr>
-              <a:t>Các non-acess modifiers thường được đặt trước access modifier trong khai báo thuộc tính, khai báo phương thức hoặc khai báo lớp.</a:t>
-            </a:r>
-          </a:p>
-        </p:txBody>
-      </p:sp>
-    </p:spTree>
-    <p:extLst>
-      <p:ext uri="{BB962C8B-B14F-4D97-AF65-F5344CB8AC3E}">
-        <p14:creationId xmlns:p14="http://schemas.microsoft.com/office/powerpoint/2010/main" val="403524477"/>
-      </p:ext>
-    </p:extLst>
-  </p:cSld>
-  <p:clrMapOvr>
-    <a:masterClrMapping/>
-  </p:clrMapOvr>
-</p:sld>
-</file>
-
 <file path=ppt/slides/slide2.xml><?xml version="1.0" encoding="utf-8"?>
 <p:sld xmlns:a="http://schemas.openxmlformats.org/drawingml/2006/main" xmlns:r="http://schemas.openxmlformats.org/officeDocument/2006/relationships" xmlns:p="http://schemas.openxmlformats.org/presentationml/2006/main">
   <p:cSld>
@@ -7797,1071 +7318,6 @@
     <p:extLst>
       <p:ext uri="{BB962C8B-B14F-4D97-AF65-F5344CB8AC3E}">
         <p14:creationId xmlns:p14="http://schemas.microsoft.com/office/powerpoint/2010/main" val="1589195065"/>
-      </p:ext>
-    </p:extLst>
-  </p:cSld>
-  <p:clrMapOvr>
-    <a:masterClrMapping/>
-  </p:clrMapOvr>
-</p:sld>
-</file>
-
-<file path=ppt/slides/slide20.xml><?xml version="1.0" encoding="utf-8"?>
-<p:sld xmlns:a="http://schemas.openxmlformats.org/drawingml/2006/main" xmlns:r="http://schemas.openxmlformats.org/officeDocument/2006/relationships" xmlns:p="http://schemas.openxmlformats.org/presentationml/2006/main">
-  <p:cSld>
-    <p:spTree>
-      <p:nvGrpSpPr>
-        <p:cNvPr id="1" name=""/>
-        <p:cNvGrpSpPr/>
-        <p:nvPr/>
-      </p:nvGrpSpPr>
-      <p:grpSpPr>
-        <a:xfrm>
-          <a:off x="0" y="0"/>
-          <a:ext cx="0" cy="0"/>
-          <a:chOff x="0" y="0"/>
-          <a:chExt cx="0" cy="0"/>
-        </a:xfrm>
-      </p:grpSpPr>
-      <p:sp>
-        <p:nvSpPr>
-          <p:cNvPr id="2" name="Title 1">
-            <a:extLst>
-              <a:ext uri="{FF2B5EF4-FFF2-40B4-BE49-F238E27FC236}">
-                <a16:creationId xmlns:a16="http://schemas.microsoft.com/office/drawing/2014/main" id="{14D7F595-0D8F-4FE6-A3EC-4557A1A457EB}"/>
-              </a:ext>
-            </a:extLst>
-          </p:cNvPr>
-          <p:cNvSpPr>
-            <a:spLocks noGrp="1"/>
-          </p:cNvSpPr>
-          <p:nvPr>
-            <p:ph type="title"/>
-          </p:nvPr>
-        </p:nvSpPr>
-        <p:spPr/>
-        <p:txBody>
-          <a:bodyPr/>
-          <a:lstStyle/>
-          <a:p>
-            <a:r>
-              <a:rPr lang="en-US">
-                <a:latin typeface="Arial" panose="020B0604020202020204" pitchFamily="34" charset="0"/>
-                <a:cs typeface="Arial" panose="020B0604020202020204" pitchFamily="34" charset="0"/>
-              </a:rPr>
-              <a:t>9. Non-access modifiers trong Java</a:t>
-            </a:r>
-          </a:p>
-        </p:txBody>
-      </p:sp>
-      <p:sp>
-        <p:nvSpPr>
-          <p:cNvPr id="3" name="Content Placeholder 2">
-            <a:extLst>
-              <a:ext uri="{FF2B5EF4-FFF2-40B4-BE49-F238E27FC236}">
-                <a16:creationId xmlns:a16="http://schemas.microsoft.com/office/drawing/2014/main" id="{6337998B-3737-4D43-973D-24B118D723A2}"/>
-              </a:ext>
-            </a:extLst>
-          </p:cNvPr>
-          <p:cNvSpPr>
-            <a:spLocks noGrp="1"/>
-          </p:cNvSpPr>
-          <p:nvPr>
-            <p:ph idx="1"/>
-          </p:nvPr>
-        </p:nvSpPr>
-        <p:spPr>
-          <a:xfrm>
-            <a:off x="1103312" y="1853248"/>
-            <a:ext cx="9612036" cy="4423265"/>
-          </a:xfrm>
-        </p:spPr>
-        <p:txBody>
-          <a:bodyPr/>
-          <a:lstStyle/>
-          <a:p>
-            <a:r>
-              <a:rPr lang="en-US">
-                <a:latin typeface="Arial" panose="020B0604020202020204" pitchFamily="34" charset="0"/>
-                <a:cs typeface="Arial" panose="020B0604020202020204" pitchFamily="34" charset="0"/>
-              </a:rPr>
-              <a:t>Khai báo lớp không thể kế thừa</a:t>
-            </a:r>
-          </a:p>
-        </p:txBody>
-      </p:sp>
-      <p:pic>
-        <p:nvPicPr>
-          <p:cNvPr id="5" name="Picture 4">
-            <a:extLst>
-              <a:ext uri="{FF2B5EF4-FFF2-40B4-BE49-F238E27FC236}">
-                <a16:creationId xmlns:a16="http://schemas.microsoft.com/office/drawing/2014/main" id="{F887A2EB-1635-45AA-B52A-161C675BF562}"/>
-              </a:ext>
-            </a:extLst>
-          </p:cNvPr>
-          <p:cNvPicPr>
-            <a:picLocks noChangeAspect="1"/>
-          </p:cNvPicPr>
-          <p:nvPr/>
-        </p:nvPicPr>
-        <p:blipFill>
-          <a:blip r:embed="rId2"/>
-          <a:stretch>
-            <a:fillRect/>
-          </a:stretch>
-        </p:blipFill>
-        <p:spPr>
-          <a:xfrm>
-            <a:off x="3671781" y="3321563"/>
-            <a:ext cx="4848437" cy="2076059"/>
-          </a:xfrm>
-          <a:prstGeom prst="rect">
-            <a:avLst/>
-          </a:prstGeom>
-        </p:spPr>
-      </p:pic>
-    </p:spTree>
-    <p:extLst>
-      <p:ext uri="{BB962C8B-B14F-4D97-AF65-F5344CB8AC3E}">
-        <p14:creationId xmlns:p14="http://schemas.microsoft.com/office/powerpoint/2010/main" val="1911244101"/>
-      </p:ext>
-    </p:extLst>
-  </p:cSld>
-  <p:clrMapOvr>
-    <a:masterClrMapping/>
-  </p:clrMapOvr>
-</p:sld>
-</file>
-
-<file path=ppt/slides/slide21.xml><?xml version="1.0" encoding="utf-8"?>
-<p:sld xmlns:a="http://schemas.openxmlformats.org/drawingml/2006/main" xmlns:r="http://schemas.openxmlformats.org/officeDocument/2006/relationships" xmlns:p="http://schemas.openxmlformats.org/presentationml/2006/main">
-  <p:cSld>
-    <p:spTree>
-      <p:nvGrpSpPr>
-        <p:cNvPr id="1" name=""/>
-        <p:cNvGrpSpPr/>
-        <p:nvPr/>
-      </p:nvGrpSpPr>
-      <p:grpSpPr>
-        <a:xfrm>
-          <a:off x="0" y="0"/>
-          <a:ext cx="0" cy="0"/>
-          <a:chOff x="0" y="0"/>
-          <a:chExt cx="0" cy="0"/>
-        </a:xfrm>
-      </p:grpSpPr>
-      <p:sp>
-        <p:nvSpPr>
-          <p:cNvPr id="2" name="Title 1">
-            <a:extLst>
-              <a:ext uri="{FF2B5EF4-FFF2-40B4-BE49-F238E27FC236}">
-                <a16:creationId xmlns:a16="http://schemas.microsoft.com/office/drawing/2014/main" id="{14D7F595-0D8F-4FE6-A3EC-4557A1A457EB}"/>
-              </a:ext>
-            </a:extLst>
-          </p:cNvPr>
-          <p:cNvSpPr>
-            <a:spLocks noGrp="1"/>
-          </p:cNvSpPr>
-          <p:nvPr>
-            <p:ph type="title"/>
-          </p:nvPr>
-        </p:nvSpPr>
-        <p:spPr/>
-        <p:txBody>
-          <a:bodyPr/>
-          <a:lstStyle/>
-          <a:p>
-            <a:r>
-              <a:rPr lang="en-US">
-                <a:latin typeface="Arial" panose="020B0604020202020204" pitchFamily="34" charset="0"/>
-                <a:cs typeface="Arial" panose="020B0604020202020204" pitchFamily="34" charset="0"/>
-              </a:rPr>
-              <a:t>9. Non-access modifiers trong Java</a:t>
-            </a:r>
-          </a:p>
-        </p:txBody>
-      </p:sp>
-      <p:sp>
-        <p:nvSpPr>
-          <p:cNvPr id="3" name="Content Placeholder 2">
-            <a:extLst>
-              <a:ext uri="{FF2B5EF4-FFF2-40B4-BE49-F238E27FC236}">
-                <a16:creationId xmlns:a16="http://schemas.microsoft.com/office/drawing/2014/main" id="{6337998B-3737-4D43-973D-24B118D723A2}"/>
-              </a:ext>
-            </a:extLst>
-          </p:cNvPr>
-          <p:cNvSpPr>
-            <a:spLocks noGrp="1"/>
-          </p:cNvSpPr>
-          <p:nvPr>
-            <p:ph idx="1"/>
-          </p:nvPr>
-        </p:nvSpPr>
-        <p:spPr>
-          <a:xfrm>
-            <a:off x="1103312" y="1853248"/>
-            <a:ext cx="9612036" cy="4423265"/>
-          </a:xfrm>
-        </p:spPr>
-        <p:txBody>
-          <a:bodyPr/>
-          <a:lstStyle/>
-          <a:p>
-            <a:r>
-              <a:rPr lang="en-US">
-                <a:latin typeface="Arial" panose="020B0604020202020204" pitchFamily="34" charset="0"/>
-                <a:cs typeface="Arial" panose="020B0604020202020204" pitchFamily="34" charset="0"/>
-              </a:rPr>
-              <a:t>Khai báo thuộc tính không thể thay đổi sau khi gán giá trị</a:t>
-            </a:r>
-          </a:p>
-        </p:txBody>
-      </p:sp>
-      <p:pic>
-        <p:nvPicPr>
-          <p:cNvPr id="5" name="Picture 4">
-            <a:extLst>
-              <a:ext uri="{FF2B5EF4-FFF2-40B4-BE49-F238E27FC236}">
-                <a16:creationId xmlns:a16="http://schemas.microsoft.com/office/drawing/2014/main" id="{B39D9EC3-9B19-4ACC-BE58-29636131B5E0}"/>
-              </a:ext>
-            </a:extLst>
-          </p:cNvPr>
-          <p:cNvPicPr>
-            <a:picLocks noChangeAspect="1"/>
-          </p:cNvPicPr>
-          <p:nvPr/>
-        </p:nvPicPr>
-        <p:blipFill>
-          <a:blip r:embed="rId2"/>
-          <a:stretch>
-            <a:fillRect/>
-          </a:stretch>
-        </p:blipFill>
-        <p:spPr>
-          <a:xfrm>
-            <a:off x="3100044" y="2794560"/>
-            <a:ext cx="5991912" cy="3481953"/>
-          </a:xfrm>
-          <a:prstGeom prst="rect">
-            <a:avLst/>
-          </a:prstGeom>
-        </p:spPr>
-      </p:pic>
-    </p:spTree>
-    <p:extLst>
-      <p:ext uri="{BB962C8B-B14F-4D97-AF65-F5344CB8AC3E}">
-        <p14:creationId xmlns:p14="http://schemas.microsoft.com/office/powerpoint/2010/main" val="3037822511"/>
-      </p:ext>
-    </p:extLst>
-  </p:cSld>
-  <p:clrMapOvr>
-    <a:masterClrMapping/>
-  </p:clrMapOvr>
-</p:sld>
-</file>
-
-<file path=ppt/slides/slide22.xml><?xml version="1.0" encoding="utf-8"?>
-<p:sld xmlns:a="http://schemas.openxmlformats.org/drawingml/2006/main" xmlns:r="http://schemas.openxmlformats.org/officeDocument/2006/relationships" xmlns:p="http://schemas.openxmlformats.org/presentationml/2006/main">
-  <p:cSld>
-    <p:spTree>
-      <p:nvGrpSpPr>
-        <p:cNvPr id="1" name=""/>
-        <p:cNvGrpSpPr/>
-        <p:nvPr/>
-      </p:nvGrpSpPr>
-      <p:grpSpPr>
-        <a:xfrm>
-          <a:off x="0" y="0"/>
-          <a:ext cx="0" cy="0"/>
-          <a:chOff x="0" y="0"/>
-          <a:chExt cx="0" cy="0"/>
-        </a:xfrm>
-      </p:grpSpPr>
-      <p:sp>
-        <p:nvSpPr>
-          <p:cNvPr id="2" name="Title 1">
-            <a:extLst>
-              <a:ext uri="{FF2B5EF4-FFF2-40B4-BE49-F238E27FC236}">
-                <a16:creationId xmlns:a16="http://schemas.microsoft.com/office/drawing/2014/main" id="{14D7F595-0D8F-4FE6-A3EC-4557A1A457EB}"/>
-              </a:ext>
-            </a:extLst>
-          </p:cNvPr>
-          <p:cNvSpPr>
-            <a:spLocks noGrp="1"/>
-          </p:cNvSpPr>
-          <p:nvPr>
-            <p:ph type="title"/>
-          </p:nvPr>
-        </p:nvSpPr>
-        <p:spPr/>
-        <p:txBody>
-          <a:bodyPr/>
-          <a:lstStyle/>
-          <a:p>
-            <a:r>
-              <a:rPr lang="en-US">
-                <a:latin typeface="Arial" panose="020B0604020202020204" pitchFamily="34" charset="0"/>
-                <a:cs typeface="Arial" panose="020B0604020202020204" pitchFamily="34" charset="0"/>
-              </a:rPr>
-              <a:t>9. Non-access modifiers trong Java</a:t>
-            </a:r>
-          </a:p>
-        </p:txBody>
-      </p:sp>
-      <p:sp>
-        <p:nvSpPr>
-          <p:cNvPr id="3" name="Content Placeholder 2">
-            <a:extLst>
-              <a:ext uri="{FF2B5EF4-FFF2-40B4-BE49-F238E27FC236}">
-                <a16:creationId xmlns:a16="http://schemas.microsoft.com/office/drawing/2014/main" id="{6337998B-3737-4D43-973D-24B118D723A2}"/>
-              </a:ext>
-            </a:extLst>
-          </p:cNvPr>
-          <p:cNvSpPr>
-            <a:spLocks noGrp="1"/>
-          </p:cNvSpPr>
-          <p:nvPr>
-            <p:ph idx="1"/>
-          </p:nvPr>
-        </p:nvSpPr>
-        <p:spPr>
-          <a:xfrm>
-            <a:off x="1103312" y="1853248"/>
-            <a:ext cx="9612036" cy="4423265"/>
-          </a:xfrm>
-        </p:spPr>
-        <p:txBody>
-          <a:bodyPr/>
-          <a:lstStyle/>
-          <a:p>
-            <a:r>
-              <a:rPr lang="en-US">
-                <a:latin typeface="Arial" panose="020B0604020202020204" pitchFamily="34" charset="0"/>
-                <a:cs typeface="Arial" panose="020B0604020202020204" pitchFamily="34" charset="0"/>
-              </a:rPr>
-              <a:t>Khai báo phương thức không thể ghi đè bởi các class con kế thừa</a:t>
-            </a:r>
-          </a:p>
-        </p:txBody>
-      </p:sp>
-      <p:pic>
-        <p:nvPicPr>
-          <p:cNvPr id="5" name="Picture 4">
-            <a:extLst>
-              <a:ext uri="{FF2B5EF4-FFF2-40B4-BE49-F238E27FC236}">
-                <a16:creationId xmlns:a16="http://schemas.microsoft.com/office/drawing/2014/main" id="{DE30FC62-04AA-495D-93D1-6A91A244A36D}"/>
-              </a:ext>
-            </a:extLst>
-          </p:cNvPr>
-          <p:cNvPicPr>
-            <a:picLocks noChangeAspect="1"/>
-          </p:cNvPicPr>
-          <p:nvPr/>
-        </p:nvPicPr>
-        <p:blipFill>
-          <a:blip r:embed="rId2"/>
-          <a:stretch>
-            <a:fillRect/>
-          </a:stretch>
-        </p:blipFill>
-        <p:spPr>
-          <a:xfrm>
-            <a:off x="3558553" y="2631502"/>
-            <a:ext cx="5074893" cy="3893586"/>
-          </a:xfrm>
-          <a:prstGeom prst="rect">
-            <a:avLst/>
-          </a:prstGeom>
-        </p:spPr>
-      </p:pic>
-    </p:spTree>
-    <p:extLst>
-      <p:ext uri="{BB962C8B-B14F-4D97-AF65-F5344CB8AC3E}">
-        <p14:creationId xmlns:p14="http://schemas.microsoft.com/office/powerpoint/2010/main" val="1384746076"/>
-      </p:ext>
-    </p:extLst>
-  </p:cSld>
-  <p:clrMapOvr>
-    <a:masterClrMapping/>
-  </p:clrMapOvr>
-</p:sld>
-</file>
-
-<file path=ppt/slides/slide23.xml><?xml version="1.0" encoding="utf-8"?>
-<p:sld xmlns:a="http://schemas.openxmlformats.org/drawingml/2006/main" xmlns:r="http://schemas.openxmlformats.org/officeDocument/2006/relationships" xmlns:p="http://schemas.openxmlformats.org/presentationml/2006/main">
-  <p:cSld>
-    <p:spTree>
-      <p:nvGrpSpPr>
-        <p:cNvPr id="1" name=""/>
-        <p:cNvGrpSpPr/>
-        <p:nvPr/>
-      </p:nvGrpSpPr>
-      <p:grpSpPr>
-        <a:xfrm>
-          <a:off x="0" y="0"/>
-          <a:ext cx="0" cy="0"/>
-          <a:chOff x="0" y="0"/>
-          <a:chExt cx="0" cy="0"/>
-        </a:xfrm>
-      </p:grpSpPr>
-      <p:sp>
-        <p:nvSpPr>
-          <p:cNvPr id="2" name="Title 1">
-            <a:extLst>
-              <a:ext uri="{FF2B5EF4-FFF2-40B4-BE49-F238E27FC236}">
-                <a16:creationId xmlns:a16="http://schemas.microsoft.com/office/drawing/2014/main" id="{14D7F595-0D8F-4FE6-A3EC-4557A1A457EB}"/>
-              </a:ext>
-            </a:extLst>
-          </p:cNvPr>
-          <p:cNvSpPr>
-            <a:spLocks noGrp="1"/>
-          </p:cNvSpPr>
-          <p:nvPr>
-            <p:ph type="title"/>
-          </p:nvPr>
-        </p:nvSpPr>
-        <p:spPr/>
-        <p:txBody>
-          <a:bodyPr/>
-          <a:lstStyle/>
-          <a:p>
-            <a:r>
-              <a:rPr lang="en-US">
-                <a:latin typeface="Arial" panose="020B0604020202020204" pitchFamily="34" charset="0"/>
-                <a:cs typeface="Arial" panose="020B0604020202020204" pitchFamily="34" charset="0"/>
-              </a:rPr>
-              <a:t>9. Non-access modifiers trong Java</a:t>
-            </a:r>
-          </a:p>
-        </p:txBody>
-      </p:sp>
-      <p:sp>
-        <p:nvSpPr>
-          <p:cNvPr id="3" name="Content Placeholder 2">
-            <a:extLst>
-              <a:ext uri="{FF2B5EF4-FFF2-40B4-BE49-F238E27FC236}">
-                <a16:creationId xmlns:a16="http://schemas.microsoft.com/office/drawing/2014/main" id="{6337998B-3737-4D43-973D-24B118D723A2}"/>
-              </a:ext>
-            </a:extLst>
-          </p:cNvPr>
-          <p:cNvSpPr>
-            <a:spLocks noGrp="1"/>
-          </p:cNvSpPr>
-          <p:nvPr>
-            <p:ph idx="1"/>
-          </p:nvPr>
-        </p:nvSpPr>
-        <p:spPr>
-          <a:xfrm>
-            <a:off x="1103312" y="1853248"/>
-            <a:ext cx="9612036" cy="4423265"/>
-          </a:xfrm>
-        </p:spPr>
-        <p:txBody>
-          <a:bodyPr/>
-          <a:lstStyle/>
-          <a:p>
-            <a:r>
-              <a:rPr lang="en-US">
-                <a:latin typeface="Arial" panose="020B0604020202020204" pitchFamily="34" charset="0"/>
-                <a:cs typeface="Arial" panose="020B0604020202020204" pitchFamily="34" charset="0"/>
-              </a:rPr>
-              <a:t>Khai báo abstract class</a:t>
-            </a:r>
-          </a:p>
-        </p:txBody>
-      </p:sp>
-      <p:pic>
-        <p:nvPicPr>
-          <p:cNvPr id="5" name="Picture 4">
-            <a:extLst>
-              <a:ext uri="{FF2B5EF4-FFF2-40B4-BE49-F238E27FC236}">
-                <a16:creationId xmlns:a16="http://schemas.microsoft.com/office/drawing/2014/main" id="{47C0694B-7F2D-4E54-8823-285E4A696657}"/>
-              </a:ext>
-            </a:extLst>
-          </p:cNvPr>
-          <p:cNvPicPr>
-            <a:picLocks noChangeAspect="1"/>
-          </p:cNvPicPr>
-          <p:nvPr/>
-        </p:nvPicPr>
-        <p:blipFill>
-          <a:blip r:embed="rId2"/>
-          <a:stretch>
-            <a:fillRect/>
-          </a:stretch>
-        </p:blipFill>
-        <p:spPr>
-          <a:xfrm>
-            <a:off x="2956995" y="3177007"/>
-            <a:ext cx="6278009" cy="2398170"/>
-          </a:xfrm>
-          <a:prstGeom prst="rect">
-            <a:avLst/>
-          </a:prstGeom>
-        </p:spPr>
-      </p:pic>
-    </p:spTree>
-    <p:extLst>
-      <p:ext uri="{BB962C8B-B14F-4D97-AF65-F5344CB8AC3E}">
-        <p14:creationId xmlns:p14="http://schemas.microsoft.com/office/powerpoint/2010/main" val="3982873315"/>
-      </p:ext>
-    </p:extLst>
-  </p:cSld>
-  <p:clrMapOvr>
-    <a:masterClrMapping/>
-  </p:clrMapOvr>
-</p:sld>
-</file>
-
-<file path=ppt/slides/slide24.xml><?xml version="1.0" encoding="utf-8"?>
-<p:sld xmlns:a="http://schemas.openxmlformats.org/drawingml/2006/main" xmlns:r="http://schemas.openxmlformats.org/officeDocument/2006/relationships" xmlns:p="http://schemas.openxmlformats.org/presentationml/2006/main">
-  <p:cSld>
-    <p:spTree>
-      <p:nvGrpSpPr>
-        <p:cNvPr id="1" name=""/>
-        <p:cNvGrpSpPr/>
-        <p:nvPr/>
-      </p:nvGrpSpPr>
-      <p:grpSpPr>
-        <a:xfrm>
-          <a:off x="0" y="0"/>
-          <a:ext cx="0" cy="0"/>
-          <a:chOff x="0" y="0"/>
-          <a:chExt cx="0" cy="0"/>
-        </a:xfrm>
-      </p:grpSpPr>
-      <p:sp>
-        <p:nvSpPr>
-          <p:cNvPr id="2" name="Title 1">
-            <a:extLst>
-              <a:ext uri="{FF2B5EF4-FFF2-40B4-BE49-F238E27FC236}">
-                <a16:creationId xmlns:a16="http://schemas.microsoft.com/office/drawing/2014/main" id="{14D7F595-0D8F-4FE6-A3EC-4557A1A457EB}"/>
-              </a:ext>
-            </a:extLst>
-          </p:cNvPr>
-          <p:cNvSpPr>
-            <a:spLocks noGrp="1"/>
-          </p:cNvSpPr>
-          <p:nvPr>
-            <p:ph type="title"/>
-          </p:nvPr>
-        </p:nvSpPr>
-        <p:spPr/>
-        <p:txBody>
-          <a:bodyPr/>
-          <a:lstStyle/>
-          <a:p>
-            <a:r>
-              <a:rPr lang="en-US">
-                <a:latin typeface="Arial" panose="020B0604020202020204" pitchFamily="34" charset="0"/>
-                <a:cs typeface="Arial" panose="020B0604020202020204" pitchFamily="34" charset="0"/>
-              </a:rPr>
-              <a:t>9. Non-access modifiers trong Java</a:t>
-            </a:r>
-          </a:p>
-        </p:txBody>
-      </p:sp>
-      <p:sp>
-        <p:nvSpPr>
-          <p:cNvPr id="3" name="Content Placeholder 2">
-            <a:extLst>
-              <a:ext uri="{FF2B5EF4-FFF2-40B4-BE49-F238E27FC236}">
-                <a16:creationId xmlns:a16="http://schemas.microsoft.com/office/drawing/2014/main" id="{6337998B-3737-4D43-973D-24B118D723A2}"/>
-              </a:ext>
-            </a:extLst>
-          </p:cNvPr>
-          <p:cNvSpPr>
-            <a:spLocks noGrp="1"/>
-          </p:cNvSpPr>
-          <p:nvPr>
-            <p:ph idx="1"/>
-          </p:nvPr>
-        </p:nvSpPr>
-        <p:spPr>
-          <a:xfrm>
-            <a:off x="1103312" y="1853248"/>
-            <a:ext cx="9612036" cy="4423265"/>
-          </a:xfrm>
-        </p:spPr>
-        <p:txBody>
-          <a:bodyPr/>
-          <a:lstStyle/>
-          <a:p>
-            <a:r>
-              <a:rPr lang="en-US">
-                <a:latin typeface="Arial" panose="020B0604020202020204" pitchFamily="34" charset="0"/>
-                <a:cs typeface="Arial" panose="020B0604020202020204" pitchFamily="34" charset="0"/>
-              </a:rPr>
-              <a:t>Khai báo phương thức abstract</a:t>
-            </a:r>
-          </a:p>
-        </p:txBody>
-      </p:sp>
-      <p:pic>
-        <p:nvPicPr>
-          <p:cNvPr id="5" name="Picture 4">
-            <a:extLst>
-              <a:ext uri="{FF2B5EF4-FFF2-40B4-BE49-F238E27FC236}">
-                <a16:creationId xmlns:a16="http://schemas.microsoft.com/office/drawing/2014/main" id="{076F93E5-A573-4394-AAD1-7D3A2EAD716F}"/>
-              </a:ext>
-            </a:extLst>
-          </p:cNvPr>
-          <p:cNvPicPr>
-            <a:picLocks noChangeAspect="1"/>
-          </p:cNvPicPr>
-          <p:nvPr/>
-        </p:nvPicPr>
-        <p:blipFill>
-          <a:blip r:embed="rId2"/>
-          <a:stretch>
-            <a:fillRect/>
-          </a:stretch>
-        </p:blipFill>
-        <p:spPr>
-          <a:xfrm>
-            <a:off x="2668080" y="3253778"/>
-            <a:ext cx="6482499" cy="2115341"/>
-          </a:xfrm>
-          <a:prstGeom prst="rect">
-            <a:avLst/>
-          </a:prstGeom>
-        </p:spPr>
-      </p:pic>
-    </p:spTree>
-    <p:extLst>
-      <p:ext uri="{BB962C8B-B14F-4D97-AF65-F5344CB8AC3E}">
-        <p14:creationId xmlns:p14="http://schemas.microsoft.com/office/powerpoint/2010/main" val="3376366607"/>
-      </p:ext>
-    </p:extLst>
-  </p:cSld>
-  <p:clrMapOvr>
-    <a:masterClrMapping/>
-  </p:clrMapOvr>
-</p:sld>
-</file>
-
-<file path=ppt/slides/slide25.xml><?xml version="1.0" encoding="utf-8"?>
-<p:sld xmlns:a="http://schemas.openxmlformats.org/drawingml/2006/main" xmlns:r="http://schemas.openxmlformats.org/officeDocument/2006/relationships" xmlns:p="http://schemas.openxmlformats.org/presentationml/2006/main">
-  <p:cSld>
-    <p:spTree>
-      <p:nvGrpSpPr>
-        <p:cNvPr id="1" name=""/>
-        <p:cNvGrpSpPr/>
-        <p:nvPr/>
-      </p:nvGrpSpPr>
-      <p:grpSpPr>
-        <a:xfrm>
-          <a:off x="0" y="0"/>
-          <a:ext cx="0" cy="0"/>
-          <a:chOff x="0" y="0"/>
-          <a:chExt cx="0" cy="0"/>
-        </a:xfrm>
-      </p:grpSpPr>
-      <p:sp>
-        <p:nvSpPr>
-          <p:cNvPr id="2" name="Title 1">
-            <a:extLst>
-              <a:ext uri="{FF2B5EF4-FFF2-40B4-BE49-F238E27FC236}">
-                <a16:creationId xmlns:a16="http://schemas.microsoft.com/office/drawing/2014/main" id="{14D7F595-0D8F-4FE6-A3EC-4557A1A457EB}"/>
-              </a:ext>
-            </a:extLst>
-          </p:cNvPr>
-          <p:cNvSpPr>
-            <a:spLocks noGrp="1"/>
-          </p:cNvSpPr>
-          <p:nvPr>
-            <p:ph type="title"/>
-          </p:nvPr>
-        </p:nvSpPr>
-        <p:spPr/>
-        <p:txBody>
-          <a:bodyPr/>
-          <a:lstStyle/>
-          <a:p>
-            <a:r>
-              <a:rPr lang="en-US">
-                <a:latin typeface="Arial" panose="020B0604020202020204" pitchFamily="34" charset="0"/>
-                <a:cs typeface="Arial" panose="020B0604020202020204" pitchFamily="34" charset="0"/>
-              </a:rPr>
-              <a:t>Bài tập thực hành</a:t>
-            </a:r>
-          </a:p>
-        </p:txBody>
-      </p:sp>
-      <p:sp>
-        <p:nvSpPr>
-          <p:cNvPr id="3" name="Content Placeholder 2">
-            <a:extLst>
-              <a:ext uri="{FF2B5EF4-FFF2-40B4-BE49-F238E27FC236}">
-                <a16:creationId xmlns:a16="http://schemas.microsoft.com/office/drawing/2014/main" id="{6337998B-3737-4D43-973D-24B118D723A2}"/>
-              </a:ext>
-            </a:extLst>
-          </p:cNvPr>
-          <p:cNvSpPr>
-            <a:spLocks noGrp="1"/>
-          </p:cNvSpPr>
-          <p:nvPr>
-            <p:ph idx="1"/>
-          </p:nvPr>
-        </p:nvSpPr>
-        <p:spPr>
-          <a:xfrm>
-            <a:off x="1103312" y="1979720"/>
-            <a:ext cx="9150397" cy="4270160"/>
-          </a:xfrm>
-        </p:spPr>
-        <p:txBody>
-          <a:bodyPr/>
-          <a:lstStyle/>
-          <a:p>
-            <a:r>
-              <a:rPr lang="en-US">
-                <a:latin typeface="Arial" panose="020B0604020202020204" pitchFamily="34" charset="0"/>
-                <a:cs typeface="Arial" panose="020B0604020202020204" pitchFamily="34" charset="0"/>
-              </a:rPr>
-              <a:t>Bài 1: Viết lớp User (người dung) trong đó có 4 thuộc tính:</a:t>
-            </a:r>
-          </a:p>
-          <a:p>
-            <a:pPr lvl="1"/>
-            <a:r>
-              <a:rPr lang="en-US">
-                <a:latin typeface="Arial" panose="020B0604020202020204" pitchFamily="34" charset="0"/>
-                <a:cs typeface="Arial" panose="020B0604020202020204" pitchFamily="34" charset="0"/>
-              </a:rPr>
-              <a:t>username: Tên người dùng</a:t>
-            </a:r>
-          </a:p>
-          <a:p>
-            <a:pPr lvl="1"/>
-            <a:r>
-              <a:rPr lang="en-US">
-                <a:latin typeface="Arial" panose="020B0604020202020204" pitchFamily="34" charset="0"/>
-                <a:cs typeface="Arial" panose="020B0604020202020204" pitchFamily="34" charset="0"/>
-              </a:rPr>
-              <a:t>password: Mật khẩu</a:t>
-            </a:r>
-          </a:p>
-          <a:p>
-            <a:pPr lvl="1"/>
-            <a:r>
-              <a:rPr lang="en-US">
-                <a:latin typeface="Arial" panose="020B0604020202020204" pitchFamily="34" charset="0"/>
-                <a:cs typeface="Arial" panose="020B0604020202020204" pitchFamily="34" charset="0"/>
-              </a:rPr>
-              <a:t>fullName: Họ và tên</a:t>
-            </a:r>
-          </a:p>
-          <a:p>
-            <a:pPr lvl="1"/>
-            <a:r>
-              <a:rPr lang="en-US">
-                <a:latin typeface="Arial" panose="020B0604020202020204" pitchFamily="34" charset="0"/>
-                <a:cs typeface="Arial" panose="020B0604020202020204" pitchFamily="34" charset="0"/>
-              </a:rPr>
-              <a:t>birthday: Ngày sinh</a:t>
-            </a:r>
-          </a:p>
-          <a:p>
-            <a:r>
-              <a:rPr lang="en-US">
-                <a:latin typeface="Arial" panose="020B0604020202020204" pitchFamily="34" charset="0"/>
-                <a:cs typeface="Arial" panose="020B0604020202020204" pitchFamily="34" charset="0"/>
-              </a:rPr>
-              <a:t>Với phương thức:</a:t>
-            </a:r>
-          </a:p>
-          <a:p>
-            <a:pPr lvl="1"/>
-            <a:r>
-              <a:rPr lang="en-US">
-                <a:latin typeface="Arial" panose="020B0604020202020204" pitchFamily="34" charset="0"/>
-                <a:cs typeface="Arial" panose="020B0604020202020204" pitchFamily="34" charset="0"/>
-              </a:rPr>
-              <a:t>login: Nhận vào tham số password, so sánh xem tham số có khớp với thuộc tính password của đối tượng này hay không và trả ra kết quả so sánh là boolean.</a:t>
-            </a:r>
-          </a:p>
-        </p:txBody>
-      </p:sp>
-    </p:spTree>
-    <p:extLst>
-      <p:ext uri="{BB962C8B-B14F-4D97-AF65-F5344CB8AC3E}">
-        <p14:creationId xmlns:p14="http://schemas.microsoft.com/office/powerpoint/2010/main" val="3552628237"/>
-      </p:ext>
-    </p:extLst>
-  </p:cSld>
-  <p:clrMapOvr>
-    <a:masterClrMapping/>
-  </p:clrMapOvr>
-</p:sld>
-</file>
-
-<file path=ppt/slides/slide26.xml><?xml version="1.0" encoding="utf-8"?>
-<p:sld xmlns:a="http://schemas.openxmlformats.org/drawingml/2006/main" xmlns:r="http://schemas.openxmlformats.org/officeDocument/2006/relationships" xmlns:p="http://schemas.openxmlformats.org/presentationml/2006/main">
-  <p:cSld>
-    <p:spTree>
-      <p:nvGrpSpPr>
-        <p:cNvPr id="1" name=""/>
-        <p:cNvGrpSpPr/>
-        <p:nvPr/>
-      </p:nvGrpSpPr>
-      <p:grpSpPr>
-        <a:xfrm>
-          <a:off x="0" y="0"/>
-          <a:ext cx="0" cy="0"/>
-          <a:chOff x="0" y="0"/>
-          <a:chExt cx="0" cy="0"/>
-        </a:xfrm>
-      </p:grpSpPr>
-      <p:sp>
-        <p:nvSpPr>
-          <p:cNvPr id="2" name="Title 1">
-            <a:extLst>
-              <a:ext uri="{FF2B5EF4-FFF2-40B4-BE49-F238E27FC236}">
-                <a16:creationId xmlns:a16="http://schemas.microsoft.com/office/drawing/2014/main" id="{14D7F595-0D8F-4FE6-A3EC-4557A1A457EB}"/>
-              </a:ext>
-            </a:extLst>
-          </p:cNvPr>
-          <p:cNvSpPr>
-            <a:spLocks noGrp="1"/>
-          </p:cNvSpPr>
-          <p:nvPr>
-            <p:ph type="title"/>
-          </p:nvPr>
-        </p:nvSpPr>
-        <p:spPr/>
-        <p:txBody>
-          <a:bodyPr/>
-          <a:lstStyle/>
-          <a:p>
-            <a:r>
-              <a:rPr lang="en-US">
-                <a:latin typeface="Arial" panose="020B0604020202020204" pitchFamily="34" charset="0"/>
-                <a:cs typeface="Arial" panose="020B0604020202020204" pitchFamily="34" charset="0"/>
-              </a:rPr>
-              <a:t>Bài tập thực hành</a:t>
-            </a:r>
-          </a:p>
-        </p:txBody>
-      </p:sp>
-      <p:sp>
-        <p:nvSpPr>
-          <p:cNvPr id="3" name="Content Placeholder 2">
-            <a:extLst>
-              <a:ext uri="{FF2B5EF4-FFF2-40B4-BE49-F238E27FC236}">
-                <a16:creationId xmlns:a16="http://schemas.microsoft.com/office/drawing/2014/main" id="{6337998B-3737-4D43-973D-24B118D723A2}"/>
-              </a:ext>
-            </a:extLst>
-          </p:cNvPr>
-          <p:cNvSpPr>
-            <a:spLocks noGrp="1"/>
-          </p:cNvSpPr>
-          <p:nvPr>
-            <p:ph idx="1"/>
-          </p:nvPr>
-        </p:nvSpPr>
-        <p:spPr>
-          <a:xfrm>
-            <a:off x="1103312" y="2050742"/>
-            <a:ext cx="9150397" cy="4199138"/>
-          </a:xfrm>
-        </p:spPr>
-        <p:txBody>
-          <a:bodyPr/>
-          <a:lstStyle/>
-          <a:p>
-            <a:r>
-              <a:rPr lang="en-US">
-                <a:latin typeface="Arial" panose="020B0604020202020204" pitchFamily="34" charset="0"/>
-                <a:cs typeface="Arial" panose="020B0604020202020204" pitchFamily="34" charset="0"/>
-              </a:rPr>
-              <a:t>Bài 2: Từ lớp User đã viết ở bài 1, hãy viết chương trình:</a:t>
-            </a:r>
-          </a:p>
-          <a:p>
-            <a:pPr lvl="1"/>
-            <a:r>
-              <a:rPr lang="en-US">
-                <a:latin typeface="Arial" panose="020B0604020202020204" pitchFamily="34" charset="0"/>
-                <a:cs typeface="Arial" panose="020B0604020202020204" pitchFamily="34" charset="0"/>
-              </a:rPr>
-              <a:t>Khởi tạo 1 đối tượng User với thông tin tùy ý khi chạy chương trình.</a:t>
-            </a:r>
-          </a:p>
-          <a:p>
-            <a:pPr lvl="1"/>
-            <a:r>
-              <a:rPr lang="en-US">
-                <a:latin typeface="Arial" panose="020B0604020202020204" pitchFamily="34" charset="0"/>
-                <a:cs typeface="Arial" panose="020B0604020202020204" pitchFamily="34" charset="0"/>
-              </a:rPr>
-              <a:t>Yêu cầu người dùng nhập vào username và password, nếu người dùng nhập đúng username và password (khớp với thuộc tính username và password của đối tượng User) thì in ra màn hình tất cả thông tin của đối tượng User đã tạo.</a:t>
-            </a:r>
-          </a:p>
-          <a:p>
-            <a:pPr lvl="1"/>
-            <a:r>
-              <a:rPr lang="en-US">
-                <a:latin typeface="Arial" panose="020B0604020202020204" pitchFamily="34" charset="0"/>
-                <a:cs typeface="Arial" panose="020B0604020202020204" pitchFamily="34" charset="0"/>
-              </a:rPr>
-              <a:t>Trường hợp người dùng nhập rỗng 1 trong 2 thông tin, yêu cầu người dùng nhập lại đúng thông tin đó.</a:t>
-            </a:r>
-          </a:p>
-          <a:p>
-            <a:pPr lvl="1"/>
-            <a:r>
-              <a:rPr lang="en-US">
-                <a:latin typeface="Arial" panose="020B0604020202020204" pitchFamily="34" charset="0"/>
-                <a:cs typeface="Arial" panose="020B0604020202020204" pitchFamily="34" charset="0"/>
-              </a:rPr>
-              <a:t>Trường hợp nhập sai, hãy in thông báo ra màn hình cho người dùng biết.</a:t>
-            </a:r>
-          </a:p>
-        </p:txBody>
-      </p:sp>
-    </p:spTree>
-    <p:extLst>
-      <p:ext uri="{BB962C8B-B14F-4D97-AF65-F5344CB8AC3E}">
-        <p14:creationId xmlns:p14="http://schemas.microsoft.com/office/powerpoint/2010/main" val="2282883037"/>
-      </p:ext>
-    </p:extLst>
-  </p:cSld>
-  <p:clrMapOvr>
-    <a:masterClrMapping/>
-  </p:clrMapOvr>
-</p:sld>
-</file>
-
-<file path=ppt/slides/slide27.xml><?xml version="1.0" encoding="utf-8"?>
-<p:sld xmlns:a="http://schemas.openxmlformats.org/drawingml/2006/main" xmlns:r="http://schemas.openxmlformats.org/officeDocument/2006/relationships" xmlns:p="http://schemas.openxmlformats.org/presentationml/2006/main">
-  <p:cSld>
-    <p:spTree>
-      <p:nvGrpSpPr>
-        <p:cNvPr id="1" name=""/>
-        <p:cNvGrpSpPr/>
-        <p:nvPr/>
-      </p:nvGrpSpPr>
-      <p:grpSpPr>
-        <a:xfrm>
-          <a:off x="0" y="0"/>
-          <a:ext cx="0" cy="0"/>
-          <a:chOff x="0" y="0"/>
-          <a:chExt cx="0" cy="0"/>
-        </a:xfrm>
-      </p:grpSpPr>
-      <p:sp>
-        <p:nvSpPr>
-          <p:cNvPr id="2" name="Title 1">
-            <a:extLst>
-              <a:ext uri="{FF2B5EF4-FFF2-40B4-BE49-F238E27FC236}">
-                <a16:creationId xmlns:a16="http://schemas.microsoft.com/office/drawing/2014/main" id="{14D7F595-0D8F-4FE6-A3EC-4557A1A457EB}"/>
-              </a:ext>
-            </a:extLst>
-          </p:cNvPr>
-          <p:cNvSpPr>
-            <a:spLocks noGrp="1"/>
-          </p:cNvSpPr>
-          <p:nvPr>
-            <p:ph type="title"/>
-          </p:nvPr>
-        </p:nvSpPr>
-        <p:spPr/>
-        <p:txBody>
-          <a:bodyPr/>
-          <a:lstStyle/>
-          <a:p>
-            <a:r>
-              <a:rPr lang="en-US">
-                <a:latin typeface="Arial" panose="020B0604020202020204" pitchFamily="34" charset="0"/>
-                <a:cs typeface="Arial" panose="020B0604020202020204" pitchFamily="34" charset="0"/>
-              </a:rPr>
-              <a:t>Bài tập thực hành</a:t>
-            </a:r>
-          </a:p>
-        </p:txBody>
-      </p:sp>
-      <p:sp>
-        <p:nvSpPr>
-          <p:cNvPr id="3" name="Content Placeholder 2">
-            <a:extLst>
-              <a:ext uri="{FF2B5EF4-FFF2-40B4-BE49-F238E27FC236}">
-                <a16:creationId xmlns:a16="http://schemas.microsoft.com/office/drawing/2014/main" id="{6337998B-3737-4D43-973D-24B118D723A2}"/>
-              </a:ext>
-            </a:extLst>
-          </p:cNvPr>
-          <p:cNvSpPr>
-            <a:spLocks noGrp="1"/>
-          </p:cNvSpPr>
-          <p:nvPr>
-            <p:ph idx="1"/>
-          </p:nvPr>
-        </p:nvSpPr>
-        <p:spPr>
-          <a:xfrm>
-            <a:off x="1103312" y="2050742"/>
-            <a:ext cx="9150397" cy="4199138"/>
-          </a:xfrm>
-        </p:spPr>
-        <p:txBody>
-          <a:bodyPr/>
-          <a:lstStyle/>
-          <a:p>
-            <a:r>
-              <a:rPr lang="en-US">
-                <a:latin typeface="Arial" panose="020B0604020202020204" pitchFamily="34" charset="0"/>
-                <a:cs typeface="Arial" panose="020B0604020202020204" pitchFamily="34" charset="0"/>
-              </a:rPr>
-              <a:t>Bài 3: Từ lớp User đã viết ở bài 1, hãy viết chương trình:</a:t>
-            </a:r>
-          </a:p>
-          <a:p>
-            <a:pPr lvl="1"/>
-            <a:r>
-              <a:rPr lang="en-US">
-                <a:latin typeface="Arial" panose="020B0604020202020204" pitchFamily="34" charset="0"/>
-                <a:cs typeface="Arial" panose="020B0604020202020204" pitchFamily="34" charset="0"/>
-              </a:rPr>
-              <a:t>Cho phép người dùng tạo vô hạn đối tượng User từ việc nhập dữ liệu từ bàn phím. Kết thúc khi người dùng nhập rỗng ở bất kỳ thông tin nào.</a:t>
-            </a:r>
-          </a:p>
-          <a:p>
-            <a:pPr lvl="1"/>
-            <a:r>
-              <a:rPr lang="en-US">
-                <a:latin typeface="Arial" panose="020B0604020202020204" pitchFamily="34" charset="0"/>
-                <a:cs typeface="Arial" panose="020B0604020202020204" pitchFamily="34" charset="0"/>
-              </a:rPr>
-              <a:t>Sau khi kết thúc quá trình nhập, yêu cầu người dùng nhập username và password. Bắt buộc người dùng nhập lại nếu người dùng nhập rỗng thông tin bất kỳ.</a:t>
-            </a:r>
-          </a:p>
-          <a:p>
-            <a:pPr lvl="1"/>
-            <a:r>
-              <a:rPr lang="en-US">
-                <a:latin typeface="Arial" panose="020B0604020202020204" pitchFamily="34" charset="0"/>
-                <a:cs typeface="Arial" panose="020B0604020202020204" pitchFamily="34" charset="0"/>
-              </a:rPr>
-              <a:t>Sau khi người dùng nhập username và password, hãy kiểm tra nếu một trong số các User mà người dùng đã tạo có khớp với username và password người dùng nhập, in tất cả thông tin User đó ra.</a:t>
-            </a:r>
-          </a:p>
-          <a:p>
-            <a:pPr lvl="1"/>
-            <a:r>
-              <a:rPr lang="en-US">
-                <a:latin typeface="Arial" panose="020B0604020202020204" pitchFamily="34" charset="0"/>
-                <a:cs typeface="Arial" panose="020B0604020202020204" pitchFamily="34" charset="0"/>
-              </a:rPr>
-              <a:t>Nếu không có User nào khớp thì in thông báo ra màn hình là: "Đăng nhập không thành công".</a:t>
-            </a:r>
-          </a:p>
-        </p:txBody>
-      </p:sp>
-    </p:spTree>
-    <p:extLst>
-      <p:ext uri="{BB962C8B-B14F-4D97-AF65-F5344CB8AC3E}">
-        <p14:creationId xmlns:p14="http://schemas.microsoft.com/office/powerpoint/2010/main" val="3750406409"/>
       </p:ext>
     </p:extLst>
   </p:cSld>
